--- a/Music Recommender - Planning.pptx
+++ b/Music Recommender - Planning.pptx
@@ -7,7 +7,7 @@
   <p:sldIdLst>
     <p:sldId id="256" r:id="rId2"/>
     <p:sldId id="257" r:id="rId3"/>
-    <p:sldId id="258" r:id="rId4"/>
+    <p:sldId id="264" r:id="rId4"/>
     <p:sldId id="259" r:id="rId5"/>
     <p:sldId id="260" r:id="rId6"/>
     <p:sldId id="261" r:id="rId7"/>
@@ -248,7 +248,7 @@
           <a:p>
             <a:fld id="{A42D6E0B-7DEC-46FF-A40B-322CA8B58A3F}" type="datetimeFigureOut">
               <a:rPr lang="en-US" smtClean="0"/>
-              <a:t>3/17/2017</a:t>
+              <a:t>3/24/2017</a:t>
             </a:fld>
             <a:endParaRPr lang="en-US"/>
           </a:p>
@@ -416,7 +416,7 @@
           <a:p>
             <a:fld id="{A42D6E0B-7DEC-46FF-A40B-322CA8B58A3F}" type="datetimeFigureOut">
               <a:rPr lang="en-US" smtClean="0"/>
-              <a:t>3/17/2017</a:t>
+              <a:t>3/24/2017</a:t>
             </a:fld>
             <a:endParaRPr lang="en-US"/>
           </a:p>
@@ -594,7 +594,7 @@
           <a:p>
             <a:fld id="{A42D6E0B-7DEC-46FF-A40B-322CA8B58A3F}" type="datetimeFigureOut">
               <a:rPr lang="en-US" smtClean="0"/>
-              <a:t>3/17/2017</a:t>
+              <a:t>3/24/2017</a:t>
             </a:fld>
             <a:endParaRPr lang="en-US"/>
           </a:p>
@@ -762,7 +762,7 @@
           <a:p>
             <a:fld id="{A42D6E0B-7DEC-46FF-A40B-322CA8B58A3F}" type="datetimeFigureOut">
               <a:rPr lang="en-US" smtClean="0"/>
-              <a:t>3/17/2017</a:t>
+              <a:t>3/24/2017</a:t>
             </a:fld>
             <a:endParaRPr lang="en-US"/>
           </a:p>
@@ -1007,7 +1007,7 @@
           <a:p>
             <a:fld id="{A42D6E0B-7DEC-46FF-A40B-322CA8B58A3F}" type="datetimeFigureOut">
               <a:rPr lang="en-US" smtClean="0"/>
-              <a:t>3/17/2017</a:t>
+              <a:t>3/24/2017</a:t>
             </a:fld>
             <a:endParaRPr lang="en-US"/>
           </a:p>
@@ -1236,7 +1236,7 @@
           <a:p>
             <a:fld id="{A42D6E0B-7DEC-46FF-A40B-322CA8B58A3F}" type="datetimeFigureOut">
               <a:rPr lang="en-US" smtClean="0"/>
-              <a:t>3/17/2017</a:t>
+              <a:t>3/24/2017</a:t>
             </a:fld>
             <a:endParaRPr lang="en-US"/>
           </a:p>
@@ -1600,7 +1600,7 @@
           <a:p>
             <a:fld id="{A42D6E0B-7DEC-46FF-A40B-322CA8B58A3F}" type="datetimeFigureOut">
               <a:rPr lang="en-US" smtClean="0"/>
-              <a:t>3/17/2017</a:t>
+              <a:t>3/24/2017</a:t>
             </a:fld>
             <a:endParaRPr lang="en-US"/>
           </a:p>
@@ -1717,7 +1717,7 @@
           <a:p>
             <a:fld id="{A42D6E0B-7DEC-46FF-A40B-322CA8B58A3F}" type="datetimeFigureOut">
               <a:rPr lang="en-US" smtClean="0"/>
-              <a:t>3/17/2017</a:t>
+              <a:t>3/24/2017</a:t>
             </a:fld>
             <a:endParaRPr lang="en-US"/>
           </a:p>
@@ -1812,7 +1812,7 @@
           <a:p>
             <a:fld id="{A42D6E0B-7DEC-46FF-A40B-322CA8B58A3F}" type="datetimeFigureOut">
               <a:rPr lang="en-US" smtClean="0"/>
-              <a:t>3/17/2017</a:t>
+              <a:t>3/24/2017</a:t>
             </a:fld>
             <a:endParaRPr lang="en-US"/>
           </a:p>
@@ -2087,7 +2087,7 @@
           <a:p>
             <a:fld id="{A42D6E0B-7DEC-46FF-A40B-322CA8B58A3F}" type="datetimeFigureOut">
               <a:rPr lang="en-US" smtClean="0"/>
-              <a:t>3/17/2017</a:t>
+              <a:t>3/24/2017</a:t>
             </a:fld>
             <a:endParaRPr lang="en-US"/>
           </a:p>
@@ -2339,7 +2339,7 @@
           <a:p>
             <a:fld id="{A42D6E0B-7DEC-46FF-A40B-322CA8B58A3F}" type="datetimeFigureOut">
               <a:rPr lang="en-US" smtClean="0"/>
-              <a:t>3/17/2017</a:t>
+              <a:t>3/24/2017</a:t>
             </a:fld>
             <a:endParaRPr lang="en-US"/>
           </a:p>
@@ -2550,7 +2550,7 @@
           <a:p>
             <a:fld id="{A42D6E0B-7DEC-46FF-A40B-322CA8B58A3F}" type="datetimeFigureOut">
               <a:rPr lang="en-US" smtClean="0"/>
-              <a:t>3/17/2017</a:t>
+              <a:t>3/24/2017</a:t>
             </a:fld>
             <a:endParaRPr lang="en-US"/>
           </a:p>
@@ -3218,19 +3218,29 @@
           <a:p>
             <a:r>
               <a:rPr lang="en-US" dirty="0"/>
-              <a:t>Generate artist recommendation based on user’s genre preference (group by genre).</a:t>
-            </a:r>
-          </a:p>
-          <a:p>
-            <a:r>
-              <a:rPr lang="en-US" dirty="0"/>
-              <a:t>Recommend similar artists based on the one selected by the user. </a:t>
-            </a:r>
-          </a:p>
-          <a:p>
-            <a:r>
-              <a:rPr lang="en-US" dirty="0"/>
-              <a:t>Recommend similar songs based on lyrical content of the current song being played.</a:t>
+              <a:t>Application user signs up and rates different artists per genre for which recommendations will be generated.</a:t>
+            </a:r>
+          </a:p>
+          <a:p>
+            <a:r>
+              <a:rPr lang="en-US" dirty="0"/>
+              <a:t>Application user explores an artist and views similar artist recommendation he can choose from.</a:t>
+            </a:r>
+          </a:p>
+          <a:p>
+            <a:r>
+              <a:rPr lang="en-US" dirty="0"/>
+              <a:t>Application u</a:t>
+            </a:r>
+            <a:r>
+              <a:rPr lang="en-US" dirty="0"/>
+              <a:t>ser browses artist catalog and plays a song. User sees similar songs based on lyrical content.</a:t>
+            </a:r>
+          </a:p>
+          <a:p>
+            <a:r>
+              <a:rPr lang="en-US" dirty="0"/>
+              <a:t>Application user logs in and sees visualization of various performance metrics.</a:t>
             </a:r>
           </a:p>
           <a:p>
@@ -3239,14 +3249,8 @@
             </a:pPr>
             <a:r>
               <a:rPr lang="en-US" dirty="0"/>
-              <a:t>***Out of scope – Implement search by speech.</a:t>
-            </a:r>
-          </a:p>
-          <a:p>
-            <a:pPr marL="0" indent="0">
-              <a:buNone/>
-            </a:pPr>
-            <a:endParaRPr lang="en-US" dirty="0"/>
+              <a:t>**Out of scope: Application user is able to search by voice.</a:t>
+            </a:r>
           </a:p>
           <a:p>
             <a:endParaRPr lang="en-US" dirty="0"/>
@@ -3256,7 +3260,7 @@
     </p:spTree>
     <p:extLst>
       <p:ext uri="{BB962C8B-B14F-4D97-AF65-F5344CB8AC3E}">
-        <p14:creationId xmlns:p14="http://schemas.microsoft.com/office/powerpoint/2010/main" val="1511312033"/>
+        <p14:creationId xmlns:p14="http://schemas.microsoft.com/office/powerpoint/2010/main" val="1889720464"/>
       </p:ext>
     </p:extLst>
   </p:cSld>
@@ -3429,40 +3433,47 @@
         </p:nvSpPr>
         <p:spPr/>
         <p:txBody>
-          <a:bodyPr/>
-          <a:lstStyle/>
-          <a:p>
-            <a:r>
-              <a:rPr lang="en-US" dirty="0"/>
-              <a:t>We will be making use of </a:t>
-            </a:r>
+          <a:bodyPr>
+            <a:normAutofit fontScale="92500"/>
+          </a:bodyPr>
+          <a:lstStyle/>
+          <a:p>
+            <a:r>
+              <a:rPr lang="en-US" dirty="0"/>
+              <a:t>Million song dataset – We will be making use of approximately 5% of the total dataset which amounts to about 9 GB worth data.</a:t>
+            </a:r>
+          </a:p>
+          <a:p>
             <a:r>
               <a:rPr lang="en-US" dirty="0" err="1"/>
-              <a:t>LastFM’s</a:t>
-            </a:r>
-            <a:r>
-              <a:rPr lang="en-US" dirty="0"/>
-              <a:t> dataset which consists of ratings given by approximately 360K unique users.</a:t>
-            </a:r>
-          </a:p>
-          <a:p>
-            <a:r>
-              <a:rPr lang="en-US" dirty="0"/>
-              <a:t>We will be extracting lyrical content from Genius or </a:t>
-            </a:r>
-            <a:r>
-              <a:rPr lang="en-US" dirty="0" err="1"/>
-              <a:t>LyricsWiki</a:t>
-            </a:r>
-            <a:r>
-              <a:rPr lang="en-US" dirty="0"/>
-              <a:t>.</a:t>
-            </a:r>
-          </a:p>
-          <a:p>
-            <a:pPr marL="0" indent="0">
-              <a:buNone/>
-            </a:pPr>
+              <a:t>MusicXMatch</a:t>
+            </a:r>
+            <a:r>
+              <a:rPr lang="en-US" dirty="0"/>
+              <a:t> – We will be making use of  lyrical content of approximately 237,000 songs which are mapped to million songs dataset using Track ID. </a:t>
+            </a:r>
+          </a:p>
+          <a:p>
+            <a:r>
+              <a:rPr lang="en-US" dirty="0"/>
+              <a:t>Last.fm – We will be making use of approximately 500,000 soundtracks that have at least one tag. This will help us with clustering.</a:t>
+            </a:r>
+          </a:p>
+          <a:p>
+            <a:r>
+              <a:rPr lang="en-US" dirty="0"/>
+              <a:t>Echo Nest taste profile subset – We will be making use of music taste profile of approximately 500,000 users.</a:t>
+            </a:r>
+          </a:p>
+          <a:p>
+            <a:r>
+              <a:rPr lang="en-US" dirty="0"/>
+              <a:t>Reference URL: </a:t>
+            </a:r>
+            <a:r>
+              <a:rPr lang="en-US" dirty="0"/>
+              <a:t>https://labrosa.ee.columbia.edu/millionsong/</a:t>
+            </a:r>
             <a:endParaRPr lang="en-US" dirty="0"/>
           </a:p>
         </p:txBody>
@@ -3529,14 +3540,21 @@
             <p:ph idx="1"/>
           </p:nvPr>
         </p:nvSpPr>
-        <p:spPr/>
-        <p:txBody>
-          <a:bodyPr/>
-          <a:lstStyle/>
-          <a:p>
-            <a:r>
-              <a:rPr lang="en-US" dirty="0"/>
-              <a:t>Week 1 - Research on Play Framework, </a:t>
+        <p:spPr>
+          <a:xfrm>
+            <a:off x="838200" y="1690688"/>
+            <a:ext cx="10515600" cy="4351338"/>
+          </a:xfrm>
+        </p:spPr>
+        <p:txBody>
+          <a:bodyPr>
+            <a:normAutofit fontScale="92500" lnSpcReduction="10000"/>
+          </a:bodyPr>
+          <a:lstStyle/>
+          <a:p>
+            <a:r>
+              <a:rPr lang="en-US" dirty="0"/>
+              <a:t>03/17 to 03/29 - Research on Play Framework, </a:t>
             </a:r>
             <a:r>
               <a:rPr lang="en-US" dirty="0" err="1"/>
@@ -3555,13 +3573,37 @@
           <a:p>
             <a:r>
               <a:rPr lang="en-US" dirty="0"/>
-              <a:t>Week 2 , 3 - Test Driven Development</a:t>
-            </a:r>
-          </a:p>
-          <a:p>
-            <a:r>
-              <a:rPr lang="en-US" dirty="0"/>
-              <a:t>Week 4 – Final Testing and Delivery</a:t>
+              <a:t>03/30 to 04/02 – Data Cleaning and start training and testing ML algorithms</a:t>
+            </a:r>
+          </a:p>
+          <a:p>
+            <a:r>
+              <a:rPr lang="en-US" dirty="0"/>
+              <a:t>04/03 to 04/05 – Work on analyzing the recommendations</a:t>
+            </a:r>
+          </a:p>
+          <a:p>
+            <a:r>
+              <a:rPr lang="en-US" dirty="0"/>
+              <a:t>04/06 to 04/08 – Work on setting up the actor system usage in Play framework</a:t>
+            </a:r>
+          </a:p>
+          <a:p>
+            <a:r>
+              <a:rPr lang="en-US" dirty="0"/>
+              <a:t>04/09 to 04/12 – Wire up UI application with Play framework</a:t>
+            </a:r>
+          </a:p>
+          <a:p>
+            <a:r>
+              <a:rPr lang="en-US" dirty="0"/>
+              <a:t>04/13 to 04/15 – Integrate Play framework with Apache Spark via Kafka</a:t>
+            </a:r>
+          </a:p>
+          <a:p>
+            <a:r>
+              <a:rPr lang="en-US" dirty="0"/>
+              <a:t>04/16 to 04/19 – Final testing and delivery</a:t>
             </a:r>
           </a:p>
         </p:txBody>
@@ -3628,21 +3670,39 @@
             <p:ph idx="1"/>
           </p:nvPr>
         </p:nvSpPr>
-        <p:spPr/>
-        <p:txBody>
-          <a:bodyPr/>
-          <a:lstStyle/>
-          <a:p>
-            <a:r>
-              <a:rPr lang="en-US" dirty="0"/>
+        <p:spPr>
+          <a:xfrm>
+            <a:off x="838199" y="1825624"/>
+            <a:ext cx="11031415" cy="4645513"/>
+          </a:xfrm>
+        </p:spPr>
+        <p:txBody>
+          <a:bodyPr>
+            <a:normAutofit/>
+          </a:bodyPr>
+          <a:lstStyle/>
+          <a:p>
+            <a:r>
+              <a:rPr lang="en-US" sz="2000" dirty="0"/>
               <a:t>The entire middleware and Big Data system would be developed in Scala.</a:t>
             </a:r>
           </a:p>
           <a:p>
             <a:r>
-              <a:rPr lang="en-US" dirty="0"/>
+              <a:rPr lang="en-US" sz="2000" dirty="0"/>
               <a:t>We will be hosting our project on GitHub.</a:t>
             </a:r>
+          </a:p>
+          <a:p>
+            <a:r>
+              <a:rPr lang="en-US" sz="2000" dirty="0"/>
+              <a:t>Repository URL: </a:t>
+            </a:r>
+            <a:r>
+              <a:rPr lang="en-US" sz="2000" dirty="0"/>
+              <a:t>https://github.com/chakrabortian/realtimemusicrecommendationapp</a:t>
+            </a:r>
+            <a:endParaRPr lang="en-US" sz="2000" dirty="0"/>
           </a:p>
         </p:txBody>
       </p:sp>
@@ -3715,24 +3775,25 @@
           <a:p>
             <a:r>
               <a:rPr lang="en-US" dirty="0"/>
-              <a:t>We should be able to generate relevant real time recommendations that would be evident on our UI. </a:t>
-            </a:r>
-          </a:p>
-          <a:p>
-            <a:r>
-              <a:rPr lang="en-US" dirty="0"/>
-              <a:t>We will be generating prediction accuracy of our Big Data system as well as API performance to showcase scalability.</a:t>
-            </a:r>
-          </a:p>
-          <a:p>
-            <a:r>
-              <a:rPr lang="en-US" dirty="0"/>
-              <a:t>Show comparison with commonly used applications like Spotify </a:t>
-            </a:r>
-            <a:r>
-              <a:rPr lang="en-US"/>
-              <a:t>and Pandora.</a:t>
-            </a:r>
+              <a:t>We should be able to generate relevant real time recommendations on UI screen within 2 minutes. </a:t>
+            </a:r>
+          </a:p>
+          <a:p>
+            <a:r>
+              <a:rPr lang="en-US" dirty="0"/>
+              <a:t>We should be able to serve this application in a 2 or more users environment without having any interference between the users.</a:t>
+            </a:r>
+          </a:p>
+          <a:p>
+            <a:r>
+              <a:rPr lang="en-US" dirty="0"/>
+              <a:t>We would be showcasing approximately 70% precision and accuracy of our recommendation engine by comparing recommendations by Last.fm.</a:t>
+            </a:r>
+          </a:p>
+          <a:p>
+            <a:pPr marL="0" indent="0">
+              <a:buNone/>
+            </a:pPr>
             <a:endParaRPr lang="en-US" dirty="0"/>
           </a:p>
         </p:txBody>
